--- a/Git Hub Account.pptx
+++ b/Git Hub Account.pptx
@@ -13,6 +13,9 @@
     <p:sldId id="261" r:id="rId7"/>
     <p:sldId id="262" r:id="rId8"/>
     <p:sldId id="263" r:id="rId9"/>
+    <p:sldId id="264" r:id="rId10"/>
+    <p:sldId id="265" r:id="rId11"/>
+    <p:sldId id="266" r:id="rId12"/>
   </p:sldIdLst>
   <p:sldSz cx="12192000" cy="6858000"/>
   <p:notesSz cx="6858000" cy="9144000"/>
@@ -111,6 +114,11 @@
       </a:defRPr>
     </a:lvl9pPr>
   </p:defaultTextStyle>
+  <p:extLst>
+    <p:ext uri="{EFAFB233-063F-42B5-8137-9DF3F51BA10A}">
+      <p15:sldGuideLst xmlns:p15="http://schemas.microsoft.com/office/powerpoint/2012/main"/>
+    </p:ext>
+  </p:extLst>
 </p:presentation>
 </file>
 
@@ -3398,6 +3406,318 @@
 </p:sld>
 </file>
 
+<file path=ppt/slides/slide10.xml><?xml version="1.0" encoding="utf-8"?>
+<p:sld xmlns:a="http://schemas.openxmlformats.org/drawingml/2006/main" xmlns:r="http://schemas.openxmlformats.org/officeDocument/2006/relationships" xmlns:p="http://schemas.openxmlformats.org/presentationml/2006/main">
+  <p:cSld>
+    <p:spTree>
+      <p:nvGrpSpPr>
+        <p:cNvPr id="1" name=""/>
+        <p:cNvGrpSpPr/>
+        <p:nvPr/>
+      </p:nvGrpSpPr>
+      <p:grpSpPr>
+        <a:xfrm>
+          <a:off x="0" y="0"/>
+          <a:ext cx="0" cy="0"/>
+          <a:chOff x="0" y="0"/>
+          <a:chExt cx="0" cy="0"/>
+        </a:xfrm>
+      </p:grpSpPr>
+      <p:sp>
+        <p:nvSpPr>
+          <p:cNvPr id="2" name="Title 1">
+            <a:extLst>
+              <a:ext uri="{FF2B5EF4-FFF2-40B4-BE49-F238E27FC236}">
+                <a16:creationId xmlns:a16="http://schemas.microsoft.com/office/drawing/2014/main" id="{7A64107E-91E1-4B38-A6F5-093E1ED0B3C6}"/>
+              </a:ext>
+            </a:extLst>
+          </p:cNvPr>
+          <p:cNvSpPr>
+            <a:spLocks noGrp="1"/>
+          </p:cNvSpPr>
+          <p:nvPr>
+            <p:ph type="title"/>
+          </p:nvPr>
+        </p:nvSpPr>
+        <p:spPr/>
+        <p:txBody>
+          <a:bodyPr/>
+          <a:lstStyle/>
+          <a:p>
+            <a:r>
+              <a:rPr lang="en-US" dirty="0"/>
+              <a:t>Add final project to local machine</a:t>
+            </a:r>
+          </a:p>
+        </p:txBody>
+      </p:sp>
+      <p:sp>
+        <p:nvSpPr>
+          <p:cNvPr id="3" name="Content Placeholder 2">
+            <a:extLst>
+              <a:ext uri="{FF2B5EF4-FFF2-40B4-BE49-F238E27FC236}">
+                <a16:creationId xmlns:a16="http://schemas.microsoft.com/office/drawing/2014/main" id="{087E3CDF-2C85-4DE1-83C4-7F775F8A34C8}"/>
+              </a:ext>
+            </a:extLst>
+          </p:cNvPr>
+          <p:cNvSpPr>
+            <a:spLocks noGrp="1"/>
+          </p:cNvSpPr>
+          <p:nvPr>
+            <p:ph idx="1"/>
+          </p:nvPr>
+        </p:nvSpPr>
+        <p:spPr>
+          <a:xfrm>
+            <a:off x="838200" y="1825625"/>
+            <a:ext cx="7308273" cy="4351338"/>
+          </a:xfrm>
+        </p:spPr>
+        <p:txBody>
+          <a:bodyPr/>
+          <a:lstStyle/>
+          <a:p>
+            <a:r>
+              <a:rPr lang="en-US" dirty="0"/>
+              <a:t>Click “Clone a repository”</a:t>
+            </a:r>
+          </a:p>
+          <a:p>
+            <a:r>
+              <a:rPr lang="en-US" dirty="0"/>
+              <a:t>Select “</a:t>
+            </a:r>
+            <a:r>
+              <a:rPr lang="en-US" dirty="0" err="1"/>
+              <a:t>cwezdenko</a:t>
+            </a:r>
+            <a:r>
+              <a:rPr lang="en-US" dirty="0"/>
+              <a:t>/MSA-8220_Final_Project”</a:t>
+            </a:r>
+          </a:p>
+          <a:p>
+            <a:r>
+              <a:rPr lang="en-US" dirty="0"/>
+              <a:t>Select Clone (if you do not like the location where the final project files are going, you can change it before selecting the clone button)</a:t>
+            </a:r>
+          </a:p>
+        </p:txBody>
+      </p:sp>
+      <p:pic>
+        <p:nvPicPr>
+          <p:cNvPr id="4" name="Picture 3">
+            <a:extLst>
+              <a:ext uri="{FF2B5EF4-FFF2-40B4-BE49-F238E27FC236}">
+                <a16:creationId xmlns:a16="http://schemas.microsoft.com/office/drawing/2014/main" id="{A4E0DBB9-0F5A-41D5-A64A-417EB6A51EE8}"/>
+              </a:ext>
+            </a:extLst>
+          </p:cNvPr>
+          <p:cNvPicPr>
+            <a:picLocks noChangeAspect="1"/>
+          </p:cNvPicPr>
+          <p:nvPr/>
+        </p:nvPicPr>
+        <p:blipFill>
+          <a:blip r:embed="rId2"/>
+          <a:stretch>
+            <a:fillRect/>
+          </a:stretch>
+        </p:blipFill>
+        <p:spPr>
+          <a:xfrm>
+            <a:off x="8573058" y="549195"/>
+            <a:ext cx="3109229" cy="3154953"/>
+          </a:xfrm>
+          <a:prstGeom prst="rect">
+            <a:avLst/>
+          </a:prstGeom>
+        </p:spPr>
+      </p:pic>
+      <p:pic>
+        <p:nvPicPr>
+          <p:cNvPr id="5" name="Picture 4">
+            <a:extLst>
+              <a:ext uri="{FF2B5EF4-FFF2-40B4-BE49-F238E27FC236}">
+                <a16:creationId xmlns:a16="http://schemas.microsoft.com/office/drawing/2014/main" id="{98BEB928-7A61-405E-9520-27FC755226BD}"/>
+              </a:ext>
+            </a:extLst>
+          </p:cNvPr>
+          <p:cNvPicPr>
+            <a:picLocks noChangeAspect="1"/>
+          </p:cNvPicPr>
+          <p:nvPr/>
+        </p:nvPicPr>
+        <p:blipFill>
+          <a:blip r:embed="rId3"/>
+          <a:stretch>
+            <a:fillRect/>
+          </a:stretch>
+        </p:blipFill>
+        <p:spPr>
+          <a:xfrm>
+            <a:off x="8894617" y="3423604"/>
+            <a:ext cx="3040915" cy="3233310"/>
+          </a:xfrm>
+          <a:prstGeom prst="rect">
+            <a:avLst/>
+          </a:prstGeom>
+        </p:spPr>
+      </p:pic>
+    </p:spTree>
+    <p:extLst>
+      <p:ext uri="{BB962C8B-B14F-4D97-AF65-F5344CB8AC3E}">
+        <p14:creationId xmlns:p14="http://schemas.microsoft.com/office/powerpoint/2010/main" val="2219722867"/>
+      </p:ext>
+    </p:extLst>
+  </p:cSld>
+  <p:clrMapOvr>
+    <a:masterClrMapping/>
+  </p:clrMapOvr>
+</p:sld>
+</file>
+
+<file path=ppt/slides/slide11.xml><?xml version="1.0" encoding="utf-8"?>
+<p:sld xmlns:a="http://schemas.openxmlformats.org/drawingml/2006/main" xmlns:r="http://schemas.openxmlformats.org/officeDocument/2006/relationships" xmlns:p="http://schemas.openxmlformats.org/presentationml/2006/main">
+  <p:cSld>
+    <p:spTree>
+      <p:nvGrpSpPr>
+        <p:cNvPr id="1" name=""/>
+        <p:cNvGrpSpPr/>
+        <p:nvPr/>
+      </p:nvGrpSpPr>
+      <p:grpSpPr>
+        <a:xfrm>
+          <a:off x="0" y="0"/>
+          <a:ext cx="0" cy="0"/>
+          <a:chOff x="0" y="0"/>
+          <a:chExt cx="0" cy="0"/>
+        </a:xfrm>
+      </p:grpSpPr>
+      <p:sp>
+        <p:nvSpPr>
+          <p:cNvPr id="2" name="Title 1">
+            <a:extLst>
+              <a:ext uri="{FF2B5EF4-FFF2-40B4-BE49-F238E27FC236}">
+                <a16:creationId xmlns:a16="http://schemas.microsoft.com/office/drawing/2014/main" id="{AEF927FA-FE21-4810-9459-986BED2D2554}"/>
+              </a:ext>
+            </a:extLst>
+          </p:cNvPr>
+          <p:cNvSpPr>
+            <a:spLocks noGrp="1"/>
+          </p:cNvSpPr>
+          <p:nvPr>
+            <p:ph type="title"/>
+          </p:nvPr>
+        </p:nvSpPr>
+        <p:spPr/>
+        <p:txBody>
+          <a:bodyPr/>
+          <a:lstStyle/>
+          <a:p>
+            <a:r>
+              <a:rPr lang="en-US" dirty="0"/>
+              <a:t>Project is now added</a:t>
+            </a:r>
+          </a:p>
+        </p:txBody>
+      </p:sp>
+      <p:sp>
+        <p:nvSpPr>
+          <p:cNvPr id="3" name="Content Placeholder 2">
+            <a:extLst>
+              <a:ext uri="{FF2B5EF4-FFF2-40B4-BE49-F238E27FC236}">
+                <a16:creationId xmlns:a16="http://schemas.microsoft.com/office/drawing/2014/main" id="{0DE73932-F504-42F1-974E-8B68CEB5FD45}"/>
+              </a:ext>
+            </a:extLst>
+          </p:cNvPr>
+          <p:cNvSpPr>
+            <a:spLocks noGrp="1"/>
+          </p:cNvSpPr>
+          <p:nvPr>
+            <p:ph idx="1"/>
+          </p:nvPr>
+        </p:nvSpPr>
+        <p:spPr>
+          <a:xfrm>
+            <a:off x="838200" y="1825625"/>
+            <a:ext cx="5645727" cy="4351338"/>
+          </a:xfrm>
+        </p:spPr>
+        <p:txBody>
+          <a:bodyPr>
+            <a:normAutofit fontScale="92500" lnSpcReduction="20000"/>
+          </a:bodyPr>
+          <a:lstStyle/>
+          <a:p>
+            <a:r>
+              <a:rPr lang="en-US" dirty="0"/>
+              <a:t>Any changes will be detected by the GitHub app and can be committed back to the master branch.</a:t>
+            </a:r>
+          </a:p>
+          <a:p>
+            <a:endParaRPr lang="en-US" dirty="0"/>
+          </a:p>
+          <a:p>
+            <a:r>
+              <a:rPr lang="en-US" dirty="0"/>
+              <a:t>Other user will be able to see when changes hit the master branch and can download those changes.</a:t>
+            </a:r>
+          </a:p>
+          <a:p>
+            <a:endParaRPr lang="en-US" dirty="0"/>
+          </a:p>
+          <a:p>
+            <a:r>
+              <a:rPr lang="en-US" dirty="0"/>
+              <a:t>Collisions will still be an issue and will have to be resolved during the upload process from the local computer to the github.com server repository</a:t>
+            </a:r>
+          </a:p>
+        </p:txBody>
+      </p:sp>
+      <p:pic>
+        <p:nvPicPr>
+          <p:cNvPr id="4" name="Picture 3">
+            <a:extLst>
+              <a:ext uri="{FF2B5EF4-FFF2-40B4-BE49-F238E27FC236}">
+                <a16:creationId xmlns:a16="http://schemas.microsoft.com/office/drawing/2014/main" id="{527F7F95-5D4E-4C7B-8AF1-C679A0ABFCC0}"/>
+              </a:ext>
+            </a:extLst>
+          </p:cNvPr>
+          <p:cNvPicPr>
+            <a:picLocks noChangeAspect="1"/>
+          </p:cNvPicPr>
+          <p:nvPr/>
+        </p:nvPicPr>
+        <p:blipFill>
+          <a:blip r:embed="rId2"/>
+          <a:stretch>
+            <a:fillRect/>
+          </a:stretch>
+        </p:blipFill>
+        <p:spPr>
+          <a:xfrm>
+            <a:off x="6649786" y="1499480"/>
+            <a:ext cx="5323545" cy="3682119"/>
+          </a:xfrm>
+          <a:prstGeom prst="rect">
+            <a:avLst/>
+          </a:prstGeom>
+        </p:spPr>
+      </p:pic>
+    </p:spTree>
+    <p:extLst>
+      <p:ext uri="{BB962C8B-B14F-4D97-AF65-F5344CB8AC3E}">
+        <p14:creationId xmlns:p14="http://schemas.microsoft.com/office/powerpoint/2010/main" val="3749096604"/>
+      </p:ext>
+    </p:extLst>
+  </p:cSld>
+  <p:clrMapOvr>
+    <a:masterClrMapping/>
+  </p:clrMapOvr>
+</p:sld>
+</file>
+
 <file path=ppt/slides/slide2.xml><?xml version="1.0" encoding="utf-8"?>
 <p:sld xmlns:a="http://schemas.openxmlformats.org/drawingml/2006/main" xmlns:r="http://schemas.openxmlformats.org/officeDocument/2006/relationships" xmlns:p="http://schemas.openxmlformats.org/presentationml/2006/main">
   <p:cSld>
@@ -4269,6 +4589,166 @@
     <p:extLst>
       <p:ext uri="{BB962C8B-B14F-4D97-AF65-F5344CB8AC3E}">
         <p14:creationId xmlns:p14="http://schemas.microsoft.com/office/powerpoint/2010/main" val="2550457219"/>
+      </p:ext>
+    </p:extLst>
+  </p:cSld>
+  <p:clrMapOvr>
+    <a:masterClrMapping/>
+  </p:clrMapOvr>
+</p:sld>
+</file>
+
+<file path=ppt/slides/slide9.xml><?xml version="1.0" encoding="utf-8"?>
+<p:sld xmlns:a="http://schemas.openxmlformats.org/drawingml/2006/main" xmlns:r="http://schemas.openxmlformats.org/officeDocument/2006/relationships" xmlns:p="http://schemas.openxmlformats.org/presentationml/2006/main">
+  <p:cSld>
+    <p:spTree>
+      <p:nvGrpSpPr>
+        <p:cNvPr id="1" name=""/>
+        <p:cNvGrpSpPr/>
+        <p:nvPr/>
+      </p:nvGrpSpPr>
+      <p:grpSpPr>
+        <a:xfrm>
+          <a:off x="0" y="0"/>
+          <a:ext cx="0" cy="0"/>
+          <a:chOff x="0" y="0"/>
+          <a:chExt cx="0" cy="0"/>
+        </a:xfrm>
+      </p:grpSpPr>
+      <p:sp>
+        <p:nvSpPr>
+          <p:cNvPr id="2" name="Title 1">
+            <a:extLst>
+              <a:ext uri="{FF2B5EF4-FFF2-40B4-BE49-F238E27FC236}">
+                <a16:creationId xmlns:a16="http://schemas.microsoft.com/office/drawing/2014/main" id="{63A7774E-E990-41F7-8F52-980FB8068010}"/>
+              </a:ext>
+            </a:extLst>
+          </p:cNvPr>
+          <p:cNvSpPr>
+            <a:spLocks noGrp="1"/>
+          </p:cNvSpPr>
+          <p:nvPr>
+            <p:ph type="title"/>
+          </p:nvPr>
+        </p:nvSpPr>
+        <p:spPr/>
+        <p:txBody>
+          <a:bodyPr/>
+          <a:lstStyle/>
+          <a:p>
+            <a:r>
+              <a:rPr lang="en-US" dirty="0"/>
+              <a:t>Sign in to Git Hub Desktop</a:t>
+            </a:r>
+          </a:p>
+        </p:txBody>
+      </p:sp>
+      <p:sp>
+        <p:nvSpPr>
+          <p:cNvPr id="3" name="Content Placeholder 2">
+            <a:extLst>
+              <a:ext uri="{FF2B5EF4-FFF2-40B4-BE49-F238E27FC236}">
+                <a16:creationId xmlns:a16="http://schemas.microsoft.com/office/drawing/2014/main" id="{E1314C83-13C3-4D55-A74F-EEB18F3D756B}"/>
+              </a:ext>
+            </a:extLst>
+          </p:cNvPr>
+          <p:cNvSpPr>
+            <a:spLocks noGrp="1"/>
+          </p:cNvSpPr>
+          <p:nvPr>
+            <p:ph idx="1"/>
+          </p:nvPr>
+        </p:nvSpPr>
+        <p:spPr>
+          <a:xfrm>
+            <a:off x="838200" y="1825625"/>
+            <a:ext cx="5160818" cy="4351338"/>
+          </a:xfrm>
+        </p:spPr>
+        <p:txBody>
+          <a:bodyPr/>
+          <a:lstStyle/>
+          <a:p>
+            <a:r>
+              <a:rPr lang="en-US" dirty="0"/>
+              <a:t>Choose sign into github.com</a:t>
+            </a:r>
+          </a:p>
+          <a:p>
+            <a:r>
+              <a:rPr lang="en-US" dirty="0"/>
+              <a:t>Enter credentials (same as github.com)</a:t>
+            </a:r>
+          </a:p>
+          <a:p>
+            <a:endParaRPr lang="en-US" dirty="0"/>
+          </a:p>
+        </p:txBody>
+      </p:sp>
+      <p:pic>
+        <p:nvPicPr>
+          <p:cNvPr id="4" name="Picture 3">
+            <a:extLst>
+              <a:ext uri="{FF2B5EF4-FFF2-40B4-BE49-F238E27FC236}">
+                <a16:creationId xmlns:a16="http://schemas.microsoft.com/office/drawing/2014/main" id="{8B3A4276-680D-4566-B63D-7A2AEE2B6C9B}"/>
+              </a:ext>
+            </a:extLst>
+          </p:cNvPr>
+          <p:cNvPicPr>
+            <a:picLocks noChangeAspect="1"/>
+          </p:cNvPicPr>
+          <p:nvPr/>
+        </p:nvPicPr>
+        <p:blipFill>
+          <a:blip r:embed="rId2"/>
+          <a:stretch>
+            <a:fillRect/>
+          </a:stretch>
+        </p:blipFill>
+        <p:spPr>
+          <a:xfrm>
+            <a:off x="6215868" y="143452"/>
+            <a:ext cx="5976132" cy="4073507"/>
+          </a:xfrm>
+          <a:prstGeom prst="rect">
+            <a:avLst/>
+          </a:prstGeom>
+        </p:spPr>
+      </p:pic>
+      <p:pic>
+        <p:nvPicPr>
+          <p:cNvPr id="5" name="Picture 4">
+            <a:extLst>
+              <a:ext uri="{FF2B5EF4-FFF2-40B4-BE49-F238E27FC236}">
+                <a16:creationId xmlns:a16="http://schemas.microsoft.com/office/drawing/2014/main" id="{7CC5C0A0-9D80-4690-99E9-11A9FF4545A5}"/>
+              </a:ext>
+            </a:extLst>
+          </p:cNvPr>
+          <p:cNvPicPr>
+            <a:picLocks noChangeAspect="1"/>
+          </p:cNvPicPr>
+          <p:nvPr/>
+        </p:nvPicPr>
+        <p:blipFill>
+          <a:blip r:embed="rId3"/>
+          <a:stretch>
+            <a:fillRect/>
+          </a:stretch>
+        </p:blipFill>
+        <p:spPr>
+          <a:xfrm>
+            <a:off x="6215868" y="3187312"/>
+            <a:ext cx="5335148" cy="3670688"/>
+          </a:xfrm>
+          <a:prstGeom prst="rect">
+            <a:avLst/>
+          </a:prstGeom>
+        </p:spPr>
+      </p:pic>
+    </p:spTree>
+    <p:extLst>
+      <p:ext uri="{BB962C8B-B14F-4D97-AF65-F5344CB8AC3E}">
+        <p14:creationId xmlns:p14="http://schemas.microsoft.com/office/powerpoint/2010/main" val="406142535"/>
       </p:ext>
     </p:extLst>
   </p:cSld>
